--- a/public/ISTC_PPT.pptx
+++ b/public/ISTC_PPT.pptx
@@ -11,6 +11,8 @@
     <p:sldId id="259" r:id="rId5"/>
     <p:sldId id="260" r:id="rId6"/>
     <p:sldId id="261" r:id="rId7"/>
+    <p:sldId id="263" r:id="rId8"/>
+    <p:sldId id="262" r:id="rId9"/>
   </p:sldIdLst>
   <p:sldSz cx="12192000" cy="6858000"/>
   <p:notesSz cx="6858000" cy="9144000"/>
@@ -109,6 +111,11 @@
       </a:defRPr>
     </a:lvl9pPr>
   </p:defaultTextStyle>
+  <p:extLst>
+    <p:ext uri="{EFAFB233-063F-42B5-8137-9DF3F51BA10A}">
+      <p15:sldGuideLst xmlns:p15="http://schemas.microsoft.com/office/powerpoint/2012/main"/>
+    </p:ext>
+  </p:extLst>
 </p:presentation>
 </file>
 
@@ -3924,6 +3931,18 @@
           </a:bodyPr>
           <a:lstStyle/>
           <a:p>
+            <a:r>
+              <a:rPr lang="en-US" i="0" dirty="0"/>
+              <a:t>Self-Designed allocation </a:t>
+            </a:r>
+            <a:r>
+              <a:rPr lang="en-US" b="1" i="0" dirty="0"/>
+              <a:t>Algorithm</a:t>
+            </a:r>
+            <a:r>
+              <a:rPr lang="en-US" i="0" dirty="0"/>
+              <a:t> for ISTC  Admissions</a:t>
+            </a:r>
             <a:endParaRPr lang="en-US" dirty="0">
               <a:solidFill>
                 <a:srgbClr val="FFFFFF"/>
@@ -4041,40 +4060,505 @@
             <p:ph type="title"/>
           </p:nvPr>
         </p:nvSpPr>
-        <p:spPr/>
-        <p:txBody>
-          <a:bodyPr/>
-          <a:lstStyle/>
-          <a:p>
-            <a:endParaRPr lang="en-US"/>
-          </a:p>
-        </p:txBody>
-      </p:sp>
-      <p:sp>
-        <p:nvSpPr>
-          <p:cNvPr id="3" name="Content Placeholder 2">
-            <a:extLst>
-              <a:ext uri="{FF2B5EF4-FFF2-40B4-BE49-F238E27FC236}">
-                <a16:creationId xmlns:a16="http://schemas.microsoft.com/office/drawing/2014/main" id="{C267E6AB-9410-24A3-72FC-835A263B6120}"/>
-              </a:ext>
-            </a:extLst>
-          </p:cNvPr>
-          <p:cNvSpPr>
-            <a:spLocks noGrp="1"/>
-          </p:cNvSpPr>
+        <p:spPr>
+          <a:xfrm>
+            <a:off x="521208" y="978408"/>
+            <a:ext cx="11155680" cy="595950"/>
+          </a:xfrm>
+        </p:spPr>
+        <p:txBody>
+          <a:bodyPr>
+            <a:normAutofit fontScale="90000"/>
+          </a:bodyPr>
+          <a:lstStyle/>
+          <a:p>
+            <a:r>
+              <a:rPr lang="en-US" dirty="0"/>
+              <a:t>Literature Survey</a:t>
+            </a:r>
+          </a:p>
+        </p:txBody>
+      </p:sp>
+      <p:graphicFrame>
+        <p:nvGraphicFramePr>
+          <p:cNvPr id="4" name="Content Placeholder 3">
+            <a:extLst>
+              <a:ext uri="{FF2B5EF4-FFF2-40B4-BE49-F238E27FC236}">
+                <a16:creationId xmlns:a16="http://schemas.microsoft.com/office/drawing/2014/main" id="{421D27E6-E0E6-9547-C46A-9BBAD7F2C494}"/>
+              </a:ext>
+            </a:extLst>
+          </p:cNvPr>
+          <p:cNvGraphicFramePr>
+            <a:graphicFrameLocks noGrp="1"/>
+          </p:cNvGraphicFramePr>
           <p:nvPr>
             <p:ph idx="1"/>
-          </p:nvPr>
-        </p:nvSpPr>
-        <p:spPr/>
-        <p:txBody>
-          <a:bodyPr/>
-          <a:lstStyle/>
-          <a:p>
-            <a:endParaRPr lang="en-US"/>
-          </a:p>
-        </p:txBody>
-      </p:sp>
+            <p:extLst>
+              <p:ext uri="{D42A27DB-BD31-4B8C-83A1-F6EECF244321}">
+                <p14:modId xmlns:p14="http://schemas.microsoft.com/office/powerpoint/2010/main" val="3227153915"/>
+              </p:ext>
+            </p:extLst>
+          </p:nvPr>
+        </p:nvGraphicFramePr>
+        <p:xfrm>
+          <a:off x="652007" y="1781092"/>
+          <a:ext cx="10940996" cy="4846054"/>
+        </p:xfrm>
+        <a:graphic>
+          <a:graphicData uri="http://schemas.openxmlformats.org/drawingml/2006/table">
+            <a:tbl>
+              <a:tblPr firstRow="1" bandRow="1">
+                <a:tableStyleId>{5202B0CA-FC54-4496-8BCA-5EF66A818D29}</a:tableStyleId>
+              </a:tblPr>
+              <a:tblGrid>
+                <a:gridCol w="561477">
+                  <a:extLst>
+                    <a:ext uri="{9D8B030D-6E8A-4147-A177-3AD203B41FA5}">
+                      <a16:colId xmlns:a16="http://schemas.microsoft.com/office/drawing/2014/main" val="2798592097"/>
+                    </a:ext>
+                  </a:extLst>
+                </a:gridCol>
+                <a:gridCol w="2612426">
+                  <a:extLst>
+                    <a:ext uri="{9D8B030D-6E8A-4147-A177-3AD203B41FA5}">
+                      <a16:colId xmlns:a16="http://schemas.microsoft.com/office/drawing/2014/main" val="720065601"/>
+                    </a:ext>
+                  </a:extLst>
+                </a:gridCol>
+                <a:gridCol w="4016118">
+                  <a:extLst>
+                    <a:ext uri="{9D8B030D-6E8A-4147-A177-3AD203B41FA5}">
+                      <a16:colId xmlns:a16="http://schemas.microsoft.com/office/drawing/2014/main" val="3467807892"/>
+                    </a:ext>
+                  </a:extLst>
+                </a:gridCol>
+                <a:gridCol w="3750975">
+                  <a:extLst>
+                    <a:ext uri="{9D8B030D-6E8A-4147-A177-3AD203B41FA5}">
+                      <a16:colId xmlns:a16="http://schemas.microsoft.com/office/drawing/2014/main" val="3903386907"/>
+                    </a:ext>
+                  </a:extLst>
+                </a:gridCol>
+              </a:tblGrid>
+              <a:tr h="470717">
+                <a:tc>
+                  <a:txBody>
+                    <a:bodyPr/>
+                    <a:lstStyle/>
+                    <a:p>
+                      <a:pPr algn="l" fontAlgn="t" latinLnBrk="0">
+                        <a:buNone/>
+                      </a:pPr>
+                      <a:r>
+                        <a:rPr lang="en-US" sz="1600" b="0" dirty="0">
+                          <a:effectLst/>
+                        </a:rPr>
+                        <a:t>S. No.</a:t>
+                      </a:r>
+                    </a:p>
+                  </a:txBody>
+                  <a:tcPr marL="60960" marR="60960" marT="60960" marB="60960"/>
+                </a:tc>
+                <a:tc>
+                  <a:txBody>
+                    <a:bodyPr/>
+                    <a:lstStyle/>
+                    <a:p>
+                      <a:pPr algn="l" fontAlgn="t" latinLnBrk="0">
+                        <a:buNone/>
+                      </a:pPr>
+                      <a:r>
+                        <a:rPr lang="en-US" sz="1600" b="0" dirty="0">
+                          <a:effectLst/>
+                        </a:rPr>
+                        <a:t>Paper Title</a:t>
+                      </a:r>
+                    </a:p>
+                  </a:txBody>
+                  <a:tcPr marL="60960" marR="60960" marT="60960" marB="60960"/>
+                </a:tc>
+                <a:tc>
+                  <a:txBody>
+                    <a:bodyPr/>
+                    <a:lstStyle/>
+                    <a:p>
+                      <a:pPr algn="l" fontAlgn="t" latinLnBrk="0">
+                        <a:buNone/>
+                      </a:pPr>
+                      <a:r>
+                        <a:rPr lang="en-US" sz="1600" b="0" dirty="0">
+                          <a:effectLst/>
+                        </a:rPr>
+                        <a:t>Algorithm / Implementation</a:t>
+                      </a:r>
+                    </a:p>
+                  </a:txBody>
+                  <a:tcPr marL="60960" marR="60960" marT="60960" marB="60960"/>
+                </a:tc>
+                <a:tc>
+                  <a:txBody>
+                    <a:bodyPr/>
+                    <a:lstStyle/>
+                    <a:p>
+                      <a:pPr algn="l" fontAlgn="t" latinLnBrk="0">
+                        <a:buNone/>
+                      </a:pPr>
+                      <a:r>
+                        <a:rPr lang="en-US" sz="1600" b="0">
+                          <a:effectLst/>
+                        </a:rPr>
+                        <a:t>Limitation (Why not directly usable)</a:t>
+                      </a:r>
+                    </a:p>
+                  </a:txBody>
+                  <a:tcPr marL="60960" marR="60960" marT="60960" marB="60960"/>
+                </a:tc>
+                <a:extLst>
+                  <a:ext uri="{0D108BD9-81ED-4DB2-BD59-A6C34878D82A}">
+                    <a16:rowId xmlns:a16="http://schemas.microsoft.com/office/drawing/2014/main" val="304701159"/>
+                  </a:ext>
+                </a:extLst>
+              </a:tr>
+              <a:tr h="1412151">
+                <a:tc>
+                  <a:txBody>
+                    <a:bodyPr/>
+                    <a:lstStyle/>
+                    <a:p>
+                      <a:pPr fontAlgn="base" latinLnBrk="0">
+                        <a:buNone/>
+                      </a:pPr>
+                      <a:r>
+                        <a:rPr lang="en-US" sz="1600" dirty="0">
+                          <a:effectLst/>
+                        </a:rPr>
+                        <a:t>1.</a:t>
+                      </a:r>
+                    </a:p>
+                  </a:txBody>
+                  <a:tcPr marL="60960" marR="60960" anchor="ctr"/>
+                </a:tc>
+                <a:tc>
+                  <a:txBody>
+                    <a:bodyPr/>
+                    <a:lstStyle/>
+                    <a:p>
+                      <a:pPr fontAlgn="base" latinLnBrk="0">
+                        <a:buNone/>
+                      </a:pPr>
+                      <a:r>
+                        <a:rPr lang="en-US" sz="1600" dirty="0">
+                          <a:effectLst/>
+                        </a:rPr>
+                        <a:t>Deferred Acceptance Algorithms: History, Theory, Practice, and Open Questions</a:t>
+                      </a:r>
+                    </a:p>
+                  </a:txBody>
+                  <a:tcPr marL="60960" marR="60960" anchor="ctr"/>
+                </a:tc>
+                <a:tc>
+                  <a:txBody>
+                    <a:bodyPr/>
+                    <a:lstStyle/>
+                    <a:p>
+                      <a:pPr fontAlgn="base" latinLnBrk="0">
+                        <a:buNone/>
+                      </a:pPr>
+                      <a:r>
+                        <a:rPr lang="en-US" sz="1600" dirty="0">
+                          <a:effectLst/>
+                        </a:rPr>
+                        <a:t>- Introduces Gale-Shapley Deferred Acceptance (DA) algorithm</a:t>
+                      </a:r>
+                      <a:br>
+                        <a:rPr lang="en-US" sz="1600" dirty="0">
+                          <a:effectLst/>
+                        </a:rPr>
+                      </a:br>
+                      <a:r>
+                        <a:rPr lang="en-US" sz="1600" dirty="0">
+                          <a:effectLst/>
+                        </a:rPr>
+                        <a:t>- Stable matching for two-sided markets</a:t>
+                      </a:r>
+                      <a:br>
+                        <a:rPr lang="en-US" sz="1600" dirty="0">
+                          <a:effectLst/>
+                        </a:rPr>
+                      </a:br>
+                      <a:r>
+                        <a:rPr lang="en-US" sz="1600" dirty="0">
+                          <a:effectLst/>
+                        </a:rPr>
+                        <a:t>- Widely used in school admissions</a:t>
+                      </a:r>
+                    </a:p>
+                  </a:txBody>
+                  <a:tcPr marL="60960" marR="60960" anchor="ctr"/>
+                </a:tc>
+                <a:tc>
+                  <a:txBody>
+                    <a:bodyPr/>
+                    <a:lstStyle/>
+                    <a:p>
+                      <a:pPr fontAlgn="base" latinLnBrk="0">
+                        <a:buNone/>
+                      </a:pPr>
+                      <a:r>
+                        <a:rPr lang="en-US" sz="1600">
+                          <a:effectLst/>
+                        </a:rPr>
+                        <a:t>- Pure DA does not handle multi-reservation categories</a:t>
+                      </a:r>
+                      <a:br>
+                        <a:rPr lang="en-US" sz="1600">
+                          <a:effectLst/>
+                        </a:rPr>
+                      </a:br>
+                      <a:r>
+                        <a:rPr lang="en-US" sz="1600">
+                          <a:effectLst/>
+                        </a:rPr>
+                        <a:t>- No support for seat de-reservation or complex Indian quotas</a:t>
+                      </a:r>
+                    </a:p>
+                  </a:txBody>
+                  <a:tcPr marL="60960" marR="60960" anchor="ctr"/>
+                </a:tc>
+                <a:extLst>
+                  <a:ext uri="{0D108BD9-81ED-4DB2-BD59-A6C34878D82A}">
+                    <a16:rowId xmlns:a16="http://schemas.microsoft.com/office/drawing/2014/main" val="2026956642"/>
+                  </a:ext>
+                </a:extLst>
+              </a:tr>
+              <a:tr h="1604718">
+                <a:tc>
+                  <a:txBody>
+                    <a:bodyPr/>
+                    <a:lstStyle/>
+                    <a:p>
+                      <a:pPr fontAlgn="base" latinLnBrk="0">
+                        <a:buNone/>
+                      </a:pPr>
+                      <a:r>
+                        <a:rPr lang="en-US" sz="1600" dirty="0">
+                          <a:effectLst/>
+                        </a:rPr>
+                        <a:t>2.</a:t>
+                      </a:r>
+                    </a:p>
+                  </a:txBody>
+                  <a:tcPr marL="60960" marR="60960" anchor="ctr"/>
+                </a:tc>
+                <a:tc>
+                  <a:txBody>
+                    <a:bodyPr/>
+                    <a:lstStyle/>
+                    <a:p>
+                      <a:pPr fontAlgn="base" latinLnBrk="0">
+                        <a:buNone/>
+                      </a:pPr>
+                      <a:r>
+                        <a:rPr lang="en-US" sz="1600" dirty="0">
+                          <a:effectLst/>
+                        </a:rPr>
+                        <a:t>Joint Seat Allocation 2018: An Algorithmic Perspective</a:t>
+                      </a:r>
+                    </a:p>
+                  </a:txBody>
+                  <a:tcPr marL="60960" marR="60960" anchor="ctr"/>
+                </a:tc>
+                <a:tc>
+                  <a:txBody>
+                    <a:bodyPr/>
+                    <a:lstStyle/>
+                    <a:p>
+                      <a:pPr fontAlgn="base" latinLnBrk="0">
+                        <a:buNone/>
+                      </a:pPr>
+                      <a:r>
+                        <a:rPr lang="en-US" sz="1600" dirty="0">
+                          <a:effectLst/>
+                        </a:rPr>
+                        <a:t>- Implements Multi-Reservation Deferred Acceptance (MRDA) for IIT/NIT admissions</a:t>
+                      </a:r>
+                      <a:br>
+                        <a:rPr lang="en-US" sz="1600" dirty="0">
+                          <a:effectLst/>
+                        </a:rPr>
+                      </a:br>
+                      <a:r>
+                        <a:rPr lang="en-US" sz="1600" dirty="0">
+                          <a:effectLst/>
+                        </a:rPr>
+                        <a:t>- Handles multiple quotas</a:t>
+                      </a:r>
+                      <a:br>
+                        <a:rPr lang="en-US" sz="1600" dirty="0">
+                          <a:effectLst/>
+                        </a:rPr>
+                      </a:br>
+                      <a:r>
+                        <a:rPr lang="en-US" sz="1600" dirty="0">
+                          <a:effectLst/>
+                        </a:rPr>
+                        <a:t>- Category-wise seat allocation with de-reservation</a:t>
+                      </a:r>
+                    </a:p>
+                  </a:txBody>
+                  <a:tcPr marL="60960" marR="60960" anchor="ctr"/>
+                </a:tc>
+                <a:tc>
+                  <a:txBody>
+                    <a:bodyPr/>
+                    <a:lstStyle/>
+                    <a:p>
+                      <a:pPr fontAlgn="base" latinLnBrk="0">
+                        <a:buNone/>
+                      </a:pPr>
+                      <a:r>
+                        <a:rPr lang="en-US" sz="1600">
+                          <a:effectLst/>
+                        </a:rPr>
+                        <a:t>- Highly complex, tailored for large-scale national systems</a:t>
+                      </a:r>
+                      <a:br>
+                        <a:rPr lang="en-US" sz="1600">
+                          <a:effectLst/>
+                        </a:rPr>
+                      </a:br>
+                      <a:r>
+                        <a:rPr lang="en-US" sz="1600">
+                          <a:effectLst/>
+                        </a:rPr>
+                        <a:t>- Not open source, difficult to adapt for smaller institutions</a:t>
+                      </a:r>
+                    </a:p>
+                  </a:txBody>
+                  <a:tcPr marL="60960" marR="60960" anchor="ctr"/>
+                </a:tc>
+                <a:extLst>
+                  <a:ext uri="{0D108BD9-81ED-4DB2-BD59-A6C34878D82A}">
+                    <a16:rowId xmlns:a16="http://schemas.microsoft.com/office/drawing/2014/main" val="1297662991"/>
+                  </a:ext>
+                </a:extLst>
+              </a:tr>
+              <a:tr h="1219585">
+                <a:tc>
+                  <a:txBody>
+                    <a:bodyPr/>
+                    <a:lstStyle/>
+                    <a:p>
+                      <a:pPr fontAlgn="base" latinLnBrk="0">
+                        <a:buNone/>
+                      </a:pPr>
+                      <a:r>
+                        <a:rPr lang="en-US" sz="1600" dirty="0">
+                          <a:effectLst/>
+                        </a:rPr>
+                        <a:t>3.</a:t>
+                      </a:r>
+                    </a:p>
+                  </a:txBody>
+                  <a:tcPr marL="60960" marR="60960" anchor="ctr"/>
+                </a:tc>
+                <a:tc>
+                  <a:txBody>
+                    <a:bodyPr/>
+                    <a:lstStyle/>
+                    <a:p>
+                      <a:pPr fontAlgn="base" latinLnBrk="0">
+                        <a:buNone/>
+                      </a:pPr>
+                      <a:r>
+                        <a:rPr lang="en-US" sz="1600">
+                          <a:effectLst/>
+                        </a:rPr>
+                        <a:t>Centralized Admissions for Engineering Colleges in India</a:t>
+                      </a:r>
+                    </a:p>
+                  </a:txBody>
+                  <a:tcPr marL="60960" marR="60960" anchor="ctr"/>
+                </a:tc>
+                <a:tc>
+                  <a:txBody>
+                    <a:bodyPr/>
+                    <a:lstStyle/>
+                    <a:p>
+                      <a:pPr fontAlgn="base" latinLnBrk="0">
+                        <a:buNone/>
+                      </a:pPr>
+                      <a:r>
+                        <a:rPr lang="en-US" sz="1600">
+                          <a:effectLst/>
+                        </a:rPr>
+                        <a:t>- Centralized, software-driven seat allocation</a:t>
+                      </a:r>
+                      <a:br>
+                        <a:rPr lang="en-US" sz="1600">
+                          <a:effectLst/>
+                        </a:rPr>
+                      </a:br>
+                      <a:r>
+                        <a:rPr lang="en-US" sz="1600">
+                          <a:effectLst/>
+                        </a:rPr>
+                        <a:t>- Focuses on fairness and transparency</a:t>
+                      </a:r>
+                      <a:br>
+                        <a:rPr lang="en-US" sz="1600">
+                          <a:effectLst/>
+                        </a:rPr>
+                      </a:br>
+                      <a:r>
+                        <a:rPr lang="en-US" sz="1600">
+                          <a:effectLst/>
+                        </a:rPr>
+                        <a:t>- Uses merit and preferences</a:t>
+                      </a:r>
+                    </a:p>
+                  </a:txBody>
+                  <a:tcPr marL="60960" marR="60960" anchor="ctr"/>
+                </a:tc>
+                <a:tc>
+                  <a:txBody>
+                    <a:bodyPr/>
+                    <a:lstStyle/>
+                    <a:p>
+                      <a:pPr fontAlgn="base" latinLnBrk="0">
+                        <a:buNone/>
+                      </a:pPr>
+                      <a:r>
+                        <a:rPr lang="en-US" sz="1600" dirty="0">
+                          <a:effectLst/>
+                        </a:rPr>
+                        <a:t>- Lacks detailed algorithmic transparency</a:t>
+                      </a:r>
+                      <a:br>
+                        <a:rPr lang="en-US" sz="1600" dirty="0">
+                          <a:effectLst/>
+                        </a:rPr>
+                      </a:br>
+                      <a:r>
+                        <a:rPr lang="en-US" sz="1600" dirty="0">
+                          <a:effectLst/>
+                        </a:rPr>
+                        <a:t>- Does not address dynamic seat conversion or custom reservation rules</a:t>
+                      </a:r>
+                    </a:p>
+                  </a:txBody>
+                  <a:tcPr marL="60960" marR="60960" anchor="ctr"/>
+                </a:tc>
+                <a:extLst>
+                  <a:ext uri="{0D108BD9-81ED-4DB2-BD59-A6C34878D82A}">
+                    <a16:rowId xmlns:a16="http://schemas.microsoft.com/office/drawing/2014/main" val="1646037518"/>
+                  </a:ext>
+                </a:extLst>
+              </a:tr>
+            </a:tbl>
+          </a:graphicData>
+        </a:graphic>
+      </p:graphicFrame>
     </p:spTree>
     <p:extLst>
       <p:ext uri="{BB962C8B-B14F-4D97-AF65-F5344CB8AC3E}">
@@ -4121,37 +4605,92 @@
             <p:ph type="title"/>
           </p:nvPr>
         </p:nvSpPr>
-        <p:spPr/>
+        <p:spPr>
+          <a:xfrm>
+            <a:off x="521208" y="978408"/>
+            <a:ext cx="11155680" cy="675463"/>
+          </a:xfrm>
+        </p:spPr>
+        <p:txBody>
+          <a:bodyPr>
+            <a:normAutofit fontScale="90000"/>
+          </a:bodyPr>
+          <a:lstStyle/>
+          <a:p>
+            <a:r>
+              <a:rPr lang="en-US" b="0" dirty="0"/>
+              <a:t>Introduction</a:t>
+            </a:r>
+            <a:br>
+              <a:rPr lang="en-US" b="0" dirty="0"/>
+            </a:br>
+            <a:endParaRPr lang="en-US" dirty="0"/>
+          </a:p>
+        </p:txBody>
+      </p:sp>
+      <p:sp>
+        <p:nvSpPr>
+          <p:cNvPr id="3" name="Content Placeholder 2">
+            <a:extLst>
+              <a:ext uri="{FF2B5EF4-FFF2-40B4-BE49-F238E27FC236}">
+                <a16:creationId xmlns:a16="http://schemas.microsoft.com/office/drawing/2014/main" id="{DCDF1EC9-3BBF-BB77-6DB8-7F2625D1F6B7}"/>
+              </a:ext>
+            </a:extLst>
+          </p:cNvPr>
+          <p:cNvSpPr>
+            <a:spLocks noGrp="1"/>
+          </p:cNvSpPr>
+          <p:nvPr>
+            <p:ph idx="1"/>
+          </p:nvPr>
+        </p:nvSpPr>
+        <p:spPr>
+          <a:xfrm>
+            <a:off x="521208" y="1860605"/>
+            <a:ext cx="11155680" cy="4485331"/>
+          </a:xfrm>
+        </p:spPr>
         <p:txBody>
           <a:bodyPr/>
           <a:lstStyle/>
           <a:p>
-            <a:endParaRPr lang="en-US"/>
-          </a:p>
-        </p:txBody>
-      </p:sp>
-      <p:sp>
-        <p:nvSpPr>
-          <p:cNvPr id="3" name="Content Placeholder 2">
-            <a:extLst>
-              <a:ext uri="{FF2B5EF4-FFF2-40B4-BE49-F238E27FC236}">
-                <a16:creationId xmlns:a16="http://schemas.microsoft.com/office/drawing/2014/main" id="{DCDF1EC9-3BBF-BB77-6DB8-7F2625D1F6B7}"/>
-              </a:ext>
-            </a:extLst>
-          </p:cNvPr>
-          <p:cNvSpPr>
-            <a:spLocks noGrp="1"/>
-          </p:cNvSpPr>
-          <p:nvPr>
-            <p:ph idx="1"/>
-          </p:nvPr>
-        </p:nvSpPr>
-        <p:spPr/>
-        <p:txBody>
-          <a:bodyPr/>
-          <a:lstStyle/>
-          <a:p>
-            <a:endParaRPr lang="en-US"/>
+            <a:pPr marL="0" indent="0">
+              <a:buNone/>
+            </a:pPr>
+            <a:r>
+              <a:rPr lang="en-US" dirty="0"/>
+              <a:t>Our ISTC Seat Allocation Portal is a web-based system designed to automate and optimize the allocation of limited seats in multiple courses, ensuring fairness, transparency, and adherence to reservation policies.</a:t>
+            </a:r>
+          </a:p>
+          <a:p>
+            <a:pPr marL="0" indent="0">
+              <a:buNone/>
+            </a:pPr>
+            <a:br>
+              <a:rPr lang="en-US" dirty="0"/>
+            </a:br>
+            <a:r>
+              <a:rPr lang="en-US" b="1" dirty="0"/>
+              <a:t>Core Focus:</a:t>
+            </a:r>
+          </a:p>
+          <a:p>
+            <a:r>
+              <a:rPr lang="en-US" dirty="0"/>
+              <a:t>Handles candidate preferences, merit ranking, and multiple reservation categories with dynamic seat conversion.</a:t>
+            </a:r>
+          </a:p>
+          <a:p>
+            <a:r>
+              <a:rPr lang="en-US" dirty="0"/>
+              <a:t>The algorithm is inspired by the Multi-Reservation Deferred Acceptance (MRDA) model, adapted and simplified for ISTC’s specific requirements.</a:t>
+            </a:r>
+          </a:p>
+          <a:p>
+            <a:pPr marL="0" indent="0">
+              <a:buNone/>
+            </a:pPr>
+            <a:endParaRPr lang="en-US" dirty="0"/>
           </a:p>
         </p:txBody>
       </p:sp>
@@ -4201,37 +4740,119 @@
             <p:ph type="title"/>
           </p:nvPr>
         </p:nvSpPr>
-        <p:spPr/>
+        <p:spPr>
+          <a:xfrm>
+            <a:off x="521208" y="978408"/>
+            <a:ext cx="11155680" cy="826538"/>
+          </a:xfrm>
+        </p:spPr>
+        <p:txBody>
+          <a:bodyPr>
+            <a:normAutofit fontScale="90000"/>
+          </a:bodyPr>
+          <a:lstStyle/>
+          <a:p>
+            <a:r>
+              <a:rPr lang="en-US" b="0" dirty="0"/>
+              <a:t> Key Feature</a:t>
+            </a:r>
+            <a:br>
+              <a:rPr lang="en-US" b="0" dirty="0"/>
+            </a:br>
+            <a:endParaRPr lang="en-US" dirty="0"/>
+          </a:p>
+        </p:txBody>
+      </p:sp>
+      <p:sp>
+        <p:nvSpPr>
+          <p:cNvPr id="3" name="Content Placeholder 2">
+            <a:extLst>
+              <a:ext uri="{FF2B5EF4-FFF2-40B4-BE49-F238E27FC236}">
+                <a16:creationId xmlns:a16="http://schemas.microsoft.com/office/drawing/2014/main" id="{F244559B-D80A-0B3E-6D7F-321F2F75D666}"/>
+              </a:ext>
+            </a:extLst>
+          </p:cNvPr>
+          <p:cNvSpPr>
+            <a:spLocks noGrp="1"/>
+          </p:cNvSpPr>
+          <p:nvPr>
+            <p:ph idx="1"/>
+          </p:nvPr>
+        </p:nvSpPr>
+        <p:spPr>
+          <a:xfrm>
+            <a:off x="521208" y="1908313"/>
+            <a:ext cx="11155680" cy="4437623"/>
+          </a:xfrm>
+        </p:spPr>
         <p:txBody>
           <a:bodyPr/>
           <a:lstStyle/>
           <a:p>
-            <a:endParaRPr lang="en-US"/>
-          </a:p>
-        </p:txBody>
-      </p:sp>
-      <p:sp>
-        <p:nvSpPr>
-          <p:cNvPr id="3" name="Content Placeholder 2">
-            <a:extLst>
-              <a:ext uri="{FF2B5EF4-FFF2-40B4-BE49-F238E27FC236}">
-                <a16:creationId xmlns:a16="http://schemas.microsoft.com/office/drawing/2014/main" id="{F244559B-D80A-0B3E-6D7F-321F2F75D666}"/>
-              </a:ext>
-            </a:extLst>
-          </p:cNvPr>
-          <p:cNvSpPr>
-            <a:spLocks noGrp="1"/>
-          </p:cNvSpPr>
-          <p:nvPr>
-            <p:ph idx="1"/>
-          </p:nvPr>
-        </p:nvSpPr>
-        <p:spPr/>
-        <p:txBody>
-          <a:bodyPr/>
-          <a:lstStyle/>
-          <a:p>
-            <a:endParaRPr lang="en-US"/>
+            <a:r>
+              <a:rPr lang="en-US" dirty="0"/>
+              <a:t>Hybrid MRDA-Inspired Logic:</a:t>
+            </a:r>
+          </a:p>
+          <a:p>
+            <a:pPr lvl="1"/>
+            <a:r>
+              <a:rPr lang="en-US" dirty="0"/>
+              <a:t>Combines the stability of Deferred Acceptance with the flexibility of multi-reservation handling.</a:t>
+            </a:r>
+          </a:p>
+          <a:p>
+            <a:r>
+              <a:rPr lang="en-US" dirty="0"/>
+              <a:t>Differentiators:</a:t>
+            </a:r>
+          </a:p>
+          <a:p>
+            <a:pPr lvl="1"/>
+            <a:r>
+              <a:rPr lang="en-US" dirty="0"/>
+              <a:t>Supports dynamic de-reservation: unused reserved seats convert to general.</a:t>
+            </a:r>
+          </a:p>
+          <a:p>
+            <a:pPr lvl="1"/>
+            <a:r>
+              <a:rPr lang="en-US" dirty="0"/>
+              <a:t>Designed for smaller institutions (not just large-scale national systems).</a:t>
+            </a:r>
+          </a:p>
+          <a:p>
+            <a:pPr lvl="1"/>
+            <a:r>
+              <a:rPr lang="en-US" dirty="0"/>
+              <a:t>Transparent and auditable allocation steps.</a:t>
+            </a:r>
+          </a:p>
+          <a:p>
+            <a:r>
+              <a:rPr lang="en-US" dirty="0"/>
+              <a:t>Customizations:</a:t>
+            </a:r>
+          </a:p>
+          <a:p>
+            <a:pPr lvl="1"/>
+            <a:r>
+              <a:rPr lang="en-US" dirty="0"/>
+              <a:t>Handles candidate registration, preference locking, and real-time dashboard updates.</a:t>
+            </a:r>
+          </a:p>
+          <a:p>
+            <a:pPr lvl="1"/>
+            <a:r>
+              <a:rPr lang="en-US" dirty="0"/>
+              <a:t>Ensures no seat is wasted if reserved categories are underfilled.</a:t>
+            </a:r>
+          </a:p>
+          <a:p>
+            <a:r>
+              <a:rPr lang="en-US" dirty="0"/>
+              <a:t>Have Admin Panel for cross checking things to be transparent (No cheating) </a:t>
+            </a:r>
           </a:p>
         </p:txBody>
       </p:sp>
@@ -4281,37 +4902,131 @@
             <p:ph type="title"/>
           </p:nvPr>
         </p:nvSpPr>
-        <p:spPr/>
-        <p:txBody>
-          <a:bodyPr/>
-          <a:lstStyle/>
-          <a:p>
-            <a:endParaRPr lang="en-US"/>
-          </a:p>
-        </p:txBody>
-      </p:sp>
-      <p:sp>
-        <p:nvSpPr>
-          <p:cNvPr id="3" name="Content Placeholder 2">
-            <a:extLst>
-              <a:ext uri="{FF2B5EF4-FFF2-40B4-BE49-F238E27FC236}">
-                <a16:creationId xmlns:a16="http://schemas.microsoft.com/office/drawing/2014/main" id="{A7607D99-5F09-BE1C-D058-F2053BBDBAA8}"/>
-              </a:ext>
-            </a:extLst>
-          </p:cNvPr>
-          <p:cNvSpPr>
-            <a:spLocks noGrp="1"/>
-          </p:cNvSpPr>
+        <p:spPr>
+          <a:xfrm>
+            <a:off x="521208" y="978408"/>
+            <a:ext cx="11155680" cy="723171"/>
+          </a:xfrm>
+        </p:spPr>
+        <p:txBody>
+          <a:bodyPr>
+            <a:normAutofit fontScale="90000"/>
+          </a:bodyPr>
+          <a:lstStyle/>
+          <a:p>
+            <a:r>
+              <a:rPr lang="en-US" b="0" dirty="0"/>
+              <a:t> System Architecture</a:t>
+            </a:r>
+            <a:br>
+              <a:rPr lang="en-US" b="0" dirty="0"/>
+            </a:br>
+            <a:endParaRPr lang="en-US" dirty="0"/>
+          </a:p>
+        </p:txBody>
+      </p:sp>
+      <p:pic>
+        <p:nvPicPr>
+          <p:cNvPr id="5" name="Content Placeholder 4">
+            <a:extLst>
+              <a:ext uri="{FF2B5EF4-FFF2-40B4-BE49-F238E27FC236}">
+                <a16:creationId xmlns:a16="http://schemas.microsoft.com/office/drawing/2014/main" id="{97523494-D847-988A-2CED-3E72F6E988D7}"/>
+              </a:ext>
+            </a:extLst>
+          </p:cNvPr>
+          <p:cNvPicPr>
+            <a:picLocks noGrp="1" noChangeAspect="1"/>
+          </p:cNvPicPr>
           <p:nvPr>
             <p:ph idx="1"/>
           </p:nvPr>
-        </p:nvSpPr>
-        <p:spPr/>
-        <p:txBody>
-          <a:bodyPr/>
-          <a:lstStyle/>
-          <a:p>
-            <a:endParaRPr lang="en-US"/>
+        </p:nvPicPr>
+        <p:blipFill>
+          <a:blip r:embed="rId2"/>
+          <a:stretch>
+            <a:fillRect/>
+          </a:stretch>
+        </p:blipFill>
+        <p:spPr>
+          <a:xfrm>
+            <a:off x="857079" y="1637969"/>
+            <a:ext cx="6720514" cy="4955100"/>
+          </a:xfrm>
+        </p:spPr>
+      </p:pic>
+      <p:sp>
+        <p:nvSpPr>
+          <p:cNvPr id="6" name="TextBox 5">
+            <a:extLst>
+              <a:ext uri="{FF2B5EF4-FFF2-40B4-BE49-F238E27FC236}">
+                <a16:creationId xmlns:a16="http://schemas.microsoft.com/office/drawing/2014/main" id="{0CD88DE0-7F93-F226-0192-C6F005E5E884}"/>
+              </a:ext>
+            </a:extLst>
+          </p:cNvPr>
+          <p:cNvSpPr txBox="1"/>
+          <p:nvPr/>
+        </p:nvSpPr>
+        <p:spPr>
+          <a:xfrm>
+            <a:off x="8197795" y="2099145"/>
+            <a:ext cx="3479093" cy="3416320"/>
+          </a:xfrm>
+          <a:prstGeom prst="rect">
+            <a:avLst/>
+          </a:prstGeom>
+          <a:noFill/>
+        </p:spPr>
+        <p:txBody>
+          <a:bodyPr wrap="square" rtlCol="0">
+            <a:spAutoFit/>
+          </a:bodyPr>
+          <a:lstStyle/>
+          <a:p>
+            <a:pPr marL="285750" indent="-285750">
+              <a:buFont typeface="Arial" panose="020B0604020202020204" pitchFamily="34" charset="0"/>
+              <a:buChar char="•"/>
+            </a:pPr>
+            <a:r>
+              <a:rPr lang="en-US" dirty="0"/>
+              <a:t>User Interface: Admission Portal (Applicants, Colleges, Admin)</a:t>
+            </a:r>
+          </a:p>
+          <a:p>
+            <a:pPr marL="285750" indent="-285750">
+              <a:buFont typeface="Arial" panose="020B0604020202020204" pitchFamily="34" charset="0"/>
+              <a:buChar char="•"/>
+            </a:pPr>
+            <a:r>
+              <a:rPr lang="en-US" dirty="0"/>
+              <a:t>Application Layer: Input Collection, Preference Submission</a:t>
+            </a:r>
+          </a:p>
+          <a:p>
+            <a:pPr marL="285750" indent="-285750">
+              <a:buFont typeface="Arial" panose="020B0604020202020204" pitchFamily="34" charset="0"/>
+              <a:buChar char="•"/>
+            </a:pPr>
+            <a:r>
+              <a:rPr lang="en-US" dirty="0"/>
+              <a:t>Algorithm Engine: Core Matching Algorithm (MRDA-inspired)</a:t>
+            </a:r>
+          </a:p>
+          <a:p>
+            <a:pPr marL="285750" indent="-285750">
+              <a:buFont typeface="Arial" panose="020B0604020202020204" pitchFamily="34" charset="0"/>
+              <a:buChar char="•"/>
+            </a:pPr>
+            <a:r>
+              <a:rPr lang="en-US" dirty="0"/>
+              <a:t>Database: Applicant Data, Seat Matrix, Allocation History</a:t>
+            </a:r>
+          </a:p>
+          <a:p>
+            <a:pPr marL="285750" indent="-285750">
+              <a:buFont typeface="Arial" panose="020B0604020202020204" pitchFamily="34" charset="0"/>
+              <a:buChar char="•"/>
+            </a:pPr>
+            <a:endParaRPr lang="en-US" dirty="0"/>
           </a:p>
         </p:txBody>
       </p:sp>
@@ -4361,12 +5076,26 @@
             <p:ph type="title"/>
           </p:nvPr>
         </p:nvSpPr>
-        <p:spPr/>
-        <p:txBody>
-          <a:bodyPr/>
-          <a:lstStyle/>
-          <a:p>
-            <a:endParaRPr lang="en-US"/>
+        <p:spPr>
+          <a:xfrm>
+            <a:off x="521208" y="978408"/>
+            <a:ext cx="11155680" cy="754976"/>
+          </a:xfrm>
+        </p:spPr>
+        <p:txBody>
+          <a:bodyPr>
+            <a:normAutofit fontScale="90000"/>
+          </a:bodyPr>
+          <a:lstStyle/>
+          <a:p>
+            <a:r>
+              <a:rPr lang="en-US" b="0" dirty="0"/>
+              <a:t>Tech Stack (Module Description)</a:t>
+            </a:r>
+            <a:br>
+              <a:rPr lang="en-US" b="0" dirty="0"/>
+            </a:br>
+            <a:endParaRPr lang="en-US" dirty="0"/>
           </a:p>
         </p:txBody>
       </p:sp>
@@ -4386,12 +5115,105 @@
             <p:ph idx="1"/>
           </p:nvPr>
         </p:nvSpPr>
-        <p:spPr/>
-        <p:txBody>
-          <a:bodyPr/>
-          <a:lstStyle/>
-          <a:p>
-            <a:endParaRPr lang="en-US"/>
+        <p:spPr>
+          <a:xfrm>
+            <a:off x="521208" y="2019631"/>
+            <a:ext cx="11155680" cy="4326305"/>
+          </a:xfrm>
+        </p:spPr>
+        <p:txBody>
+          <a:bodyPr>
+            <a:normAutofit fontScale="92500" lnSpcReduction="10000"/>
+          </a:bodyPr>
+          <a:lstStyle/>
+          <a:p>
+            <a:r>
+              <a:rPr lang="en-US" dirty="0"/>
+              <a:t>Frontend:</a:t>
+            </a:r>
+          </a:p>
+          <a:p>
+            <a:pPr lvl="1"/>
+            <a:r>
+              <a:rPr lang="en-US" dirty="0"/>
+              <a:t>Next.js (React) with Tailwind CSS for responsive UI</a:t>
+            </a:r>
+          </a:p>
+          <a:p>
+            <a:pPr lvl="1"/>
+            <a:r>
+              <a:rPr lang="en-US" dirty="0"/>
+              <a:t>Candidate and Admin dashboards</a:t>
+            </a:r>
+          </a:p>
+          <a:p>
+            <a:r>
+              <a:rPr lang="en-US" dirty="0"/>
+              <a:t>Backend:</a:t>
+            </a:r>
+          </a:p>
+          <a:p>
+            <a:pPr lvl="1"/>
+            <a:r>
+              <a:rPr lang="en-US" dirty="0"/>
+              <a:t>Next.js API routes (Node.js)</a:t>
+            </a:r>
+          </a:p>
+          <a:p>
+            <a:pPr lvl="1"/>
+            <a:r>
+              <a:rPr lang="en-US" dirty="0"/>
+              <a:t>Allocation engine (TypeScript) implementing MRDA-inspired logic</a:t>
+            </a:r>
+          </a:p>
+          <a:p>
+            <a:r>
+              <a:rPr lang="en-US" dirty="0"/>
+              <a:t>Database:</a:t>
+            </a:r>
+          </a:p>
+          <a:p>
+            <a:pPr lvl="1"/>
+            <a:r>
+              <a:rPr lang="en-US" dirty="0"/>
+              <a:t>MySQL (structured for users, candidates, courses, preferences, allocations)</a:t>
+            </a:r>
+          </a:p>
+          <a:p>
+            <a:r>
+              <a:rPr lang="en-US" dirty="0"/>
+              <a:t>Security:</a:t>
+            </a:r>
+          </a:p>
+          <a:p>
+            <a:pPr lvl="1"/>
+            <a:r>
+              <a:rPr lang="en-US" dirty="0"/>
+              <a:t>Role-based access (admin/candidate)</a:t>
+            </a:r>
+          </a:p>
+          <a:p>
+            <a:pPr lvl="1"/>
+            <a:r>
+              <a:rPr lang="en-US" dirty="0"/>
+              <a:t>Optional IP lock for admin routes</a:t>
+            </a:r>
+          </a:p>
+          <a:p>
+            <a:r>
+              <a:rPr lang="en-US" dirty="0"/>
+              <a:t>Deployment:</a:t>
+            </a:r>
+          </a:p>
+          <a:p>
+            <a:pPr lvl="1"/>
+            <a:r>
+              <a:rPr lang="en-US" dirty="0"/>
+              <a:t>Ready for institutional server</a:t>
+            </a:r>
+          </a:p>
+          <a:p>
+            <a:endParaRPr lang="en-US" dirty="0"/>
           </a:p>
         </p:txBody>
       </p:sp>
@@ -4399,6 +5221,773 @@
     <p:extLst>
       <p:ext uri="{BB962C8B-B14F-4D97-AF65-F5344CB8AC3E}">
         <p14:creationId xmlns:p14="http://schemas.microsoft.com/office/powerpoint/2010/main" val="1423917715"/>
+      </p:ext>
+    </p:extLst>
+  </p:cSld>
+  <p:clrMapOvr>
+    <a:masterClrMapping/>
+  </p:clrMapOvr>
+</p:sld>
+</file>
+
+<file path=ppt/slides/slide7.xml><?xml version="1.0" encoding="utf-8"?>
+<p:sld xmlns:a="http://schemas.openxmlformats.org/drawingml/2006/main" xmlns:r="http://schemas.openxmlformats.org/officeDocument/2006/relationships" xmlns:p="http://schemas.openxmlformats.org/presentationml/2006/main">
+  <p:cSld>
+    <p:bg>
+      <p:bgPr>
+        <a:solidFill>
+          <a:schemeClr val="bg1"/>
+        </a:solidFill>
+        <a:effectLst/>
+      </p:bgPr>
+    </p:bg>
+    <p:spTree>
+      <p:nvGrpSpPr>
+        <p:cNvPr id="1" name=""/>
+        <p:cNvGrpSpPr/>
+        <p:nvPr/>
+      </p:nvGrpSpPr>
+      <p:grpSpPr>
+        <a:xfrm>
+          <a:off x="0" y="0"/>
+          <a:ext cx="0" cy="0"/>
+          <a:chOff x="0" y="0"/>
+          <a:chExt cx="0" cy="0"/>
+        </a:xfrm>
+      </p:grpSpPr>
+      <p:sp>
+        <p:nvSpPr>
+          <p:cNvPr id="1031" name="Freeform: Shape 1030">
+            <a:extLst>
+              <a:ext uri="{FF2B5EF4-FFF2-40B4-BE49-F238E27FC236}">
+                <a16:creationId xmlns:a16="http://schemas.microsoft.com/office/drawing/2014/main" id="{774A975B-A886-5202-0489-6965514A0D14}"/>
+              </a:ext>
+              <a:ext uri="{C183D7F6-B498-43B3-948B-1728B52AA6E4}">
+                <adec:decorative xmlns:adec="http://schemas.microsoft.com/office/drawing/2017/decorative" val="1"/>
+              </a:ext>
+            </a:extLst>
+          </p:cNvPr>
+          <p:cNvSpPr>
+            <a:spLocks noGrp="1" noRot="1" noChangeAspect="1" noMove="1" noResize="1" noEditPoints="1" noAdjustHandles="1" noChangeArrowheads="1" noChangeShapeType="1" noTextEdit="1"/>
+          </p:cNvSpPr>
+          <p:nvPr>
+            <p:extLst>
+              <p:ext uri="{386F3935-93C4-4BCD-93E2-E3B085C9AB24}">
+                <p16:designElem xmlns:p16="http://schemas.microsoft.com/office/powerpoint/2015/main" val="1"/>
+              </p:ext>
+            </p:extLst>
+          </p:nvPr>
+        </p:nvSpPr>
+        <p:spPr>
+          <a:xfrm>
+            <a:off x="517869" y="508090"/>
+            <a:ext cx="11153214" cy="149279"/>
+          </a:xfrm>
+          <a:custGeom>
+            <a:avLst/>
+            <a:gdLst>
+              <a:gd name="connsiteX0" fmla="*/ 0 w 8085002"/>
+              <a:gd name="connsiteY0" fmla="*/ 0 h 149279"/>
+              <a:gd name="connsiteX1" fmla="*/ 8085002 w 8085002"/>
+              <a:gd name="connsiteY1" fmla="*/ 0 h 149279"/>
+              <a:gd name="connsiteX2" fmla="*/ 8085002 w 8085002"/>
+              <a:gd name="connsiteY2" fmla="*/ 149279 h 149279"/>
+              <a:gd name="connsiteX3" fmla="*/ 0 w 8085002"/>
+              <a:gd name="connsiteY3" fmla="*/ 149279 h 149279"/>
+            </a:gdLst>
+            <a:ahLst/>
+            <a:cxnLst>
+              <a:cxn ang="0">
+                <a:pos x="connsiteX0" y="connsiteY0"/>
+              </a:cxn>
+              <a:cxn ang="0">
+                <a:pos x="connsiteX1" y="connsiteY1"/>
+              </a:cxn>
+              <a:cxn ang="0">
+                <a:pos x="connsiteX2" y="connsiteY2"/>
+              </a:cxn>
+              <a:cxn ang="0">
+                <a:pos x="connsiteX3" y="connsiteY3"/>
+              </a:cxn>
+            </a:cxnLst>
+            <a:rect l="l" t="t" r="r" b="b"/>
+            <a:pathLst>
+              <a:path w="8085002" h="149279">
+                <a:moveTo>
+                  <a:pt x="0" y="0"/>
+                </a:moveTo>
+                <a:lnTo>
+                  <a:pt x="8085002" y="0"/>
+                </a:lnTo>
+                <a:lnTo>
+                  <a:pt x="8085002" y="149279"/>
+                </a:lnTo>
+                <a:lnTo>
+                  <a:pt x="0" y="149279"/>
+                </a:lnTo>
+                <a:close/>
+              </a:path>
+            </a:pathLst>
+          </a:custGeom>
+          <a:solidFill>
+            <a:schemeClr val="tx1"/>
+          </a:solidFill>
+          <a:ln>
+            <a:noFill/>
+          </a:ln>
+        </p:spPr>
+        <p:style>
+          <a:lnRef idx="2">
+            <a:schemeClr val="accent1">
+              <a:shade val="50000"/>
+            </a:schemeClr>
+          </a:lnRef>
+          <a:fillRef idx="1">
+            <a:schemeClr val="accent1"/>
+          </a:fillRef>
+          <a:effectRef idx="0">
+            <a:schemeClr val="accent1"/>
+          </a:effectRef>
+          <a:fontRef idx="minor">
+            <a:schemeClr val="lt1"/>
+          </a:fontRef>
+        </p:style>
+        <p:txBody>
+          <a:bodyPr wrap="square" rtlCol="0" anchor="ctr">
+            <a:noAutofit/>
+          </a:bodyPr>
+          <a:lstStyle/>
+          <a:p>
+            <a:pPr algn="ctr"/>
+            <a:endParaRPr lang="en-US"/>
+          </a:p>
+        </p:txBody>
+      </p:sp>
+      <p:sp>
+        <p:nvSpPr>
+          <p:cNvPr id="1033" name="Freeform: Shape 1032">
+            <a:extLst>
+              <a:ext uri="{FF2B5EF4-FFF2-40B4-BE49-F238E27FC236}">
+                <a16:creationId xmlns:a16="http://schemas.microsoft.com/office/drawing/2014/main" id="{EA67E988-5919-57BB-C7DE-D3EAD38A3045}"/>
+              </a:ext>
+              <a:ext uri="{C183D7F6-B498-43B3-948B-1728B52AA6E4}">
+                <adec:decorative xmlns:adec="http://schemas.microsoft.com/office/drawing/2017/decorative" val="1"/>
+              </a:ext>
+            </a:extLst>
+          </p:cNvPr>
+          <p:cNvSpPr>
+            <a:spLocks noGrp="1" noRot="1" noChangeAspect="1" noMove="1" noResize="1" noEditPoints="1" noAdjustHandles="1" noChangeArrowheads="1" noChangeShapeType="1" noTextEdit="1"/>
+          </p:cNvSpPr>
+          <p:nvPr>
+            <p:extLst>
+              <p:ext uri="{386F3935-93C4-4BCD-93E2-E3B085C9AB24}">
+                <p16:designElem xmlns:p16="http://schemas.microsoft.com/office/powerpoint/2015/main" val="1"/>
+              </p:ext>
+            </p:extLst>
+          </p:nvPr>
+        </p:nvSpPr>
+        <p:spPr>
+          <a:xfrm>
+            <a:off x="517870" y="6209925"/>
+            <a:ext cx="11155680" cy="45719"/>
+          </a:xfrm>
+          <a:custGeom>
+            <a:avLst/>
+            <a:gdLst/>
+            <a:ahLst/>
+            <a:cxnLst/>
+            <a:rect l="l" t="t" r="r" b="b"/>
+            <a:pathLst>
+              <a:path w="8715708" h="45719">
+                <a:moveTo>
+                  <a:pt x="0" y="0"/>
+                </a:moveTo>
+                <a:lnTo>
+                  <a:pt x="3694525" y="0"/>
+                </a:lnTo>
+                <a:lnTo>
+                  <a:pt x="5021183" y="0"/>
+                </a:lnTo>
+                <a:lnTo>
+                  <a:pt x="8715708" y="0"/>
+                </a:lnTo>
+                <a:lnTo>
+                  <a:pt x="8715708" y="45719"/>
+                </a:lnTo>
+                <a:lnTo>
+                  <a:pt x="5021183" y="45719"/>
+                </a:lnTo>
+                <a:lnTo>
+                  <a:pt x="3694525" y="45719"/>
+                </a:lnTo>
+                <a:lnTo>
+                  <a:pt x="0" y="45719"/>
+                </a:lnTo>
+                <a:close/>
+              </a:path>
+            </a:pathLst>
+          </a:custGeom>
+          <a:solidFill>
+            <a:schemeClr val="tx1"/>
+          </a:solidFill>
+          <a:ln>
+            <a:noFill/>
+          </a:ln>
+        </p:spPr>
+        <p:style>
+          <a:lnRef idx="2">
+            <a:schemeClr val="accent1">
+              <a:shade val="50000"/>
+            </a:schemeClr>
+          </a:lnRef>
+          <a:fillRef idx="1">
+            <a:schemeClr val="accent1"/>
+          </a:fillRef>
+          <a:effectRef idx="0">
+            <a:schemeClr val="accent1"/>
+          </a:effectRef>
+          <a:fontRef idx="minor">
+            <a:schemeClr val="lt1"/>
+          </a:fontRef>
+        </p:style>
+        <p:txBody>
+          <a:bodyPr wrap="square" rtlCol="0" anchor="ctr">
+            <a:noAutofit/>
+          </a:bodyPr>
+          <a:lstStyle/>
+          <a:p>
+            <a:pPr algn="ctr"/>
+            <a:endParaRPr lang="en-US"/>
+          </a:p>
+        </p:txBody>
+      </p:sp>
+      <p:sp useBgFill="1">
+        <p:nvSpPr>
+          <p:cNvPr id="1035" name="Rectangle 1034">
+            <a:extLst>
+              <a:ext uri="{FF2B5EF4-FFF2-40B4-BE49-F238E27FC236}">
+                <a16:creationId xmlns:a16="http://schemas.microsoft.com/office/drawing/2014/main" id="{FAF3766F-DEF3-4802-BB0D-7A18EDD9704F}"/>
+              </a:ext>
+              <a:ext uri="{C183D7F6-B498-43B3-948B-1728B52AA6E4}">
+                <adec:decorative xmlns:adec="http://schemas.microsoft.com/office/drawing/2017/decorative" val="1"/>
+              </a:ext>
+            </a:extLst>
+          </p:cNvPr>
+          <p:cNvSpPr>
+            <a:spLocks noGrp="1" noRot="1" noChangeAspect="1" noMove="1" noResize="1" noEditPoints="1" noAdjustHandles="1" noChangeArrowheads="1" noChangeShapeType="1" noTextEdit="1"/>
+          </p:cNvSpPr>
+          <p:nvPr>
+            <p:extLst>
+              <p:ext uri="{386F3935-93C4-4BCD-93E2-E3B085C9AB24}">
+                <p16:designElem xmlns:p16="http://schemas.microsoft.com/office/powerpoint/2015/main" val="1"/>
+              </p:ext>
+            </p:extLst>
+          </p:nvPr>
+        </p:nvSpPr>
+        <p:spPr>
+          <a:xfrm>
+            <a:off x="0" y="0"/>
+            <a:ext cx="12188952" cy="6857995"/>
+          </a:xfrm>
+          <a:prstGeom prst="rect">
+            <a:avLst/>
+          </a:prstGeom>
+          <a:ln>
+            <a:noFill/>
+          </a:ln>
+        </p:spPr>
+        <p:style>
+          <a:lnRef idx="2">
+            <a:schemeClr val="accent1">
+              <a:shade val="50000"/>
+            </a:schemeClr>
+          </a:lnRef>
+          <a:fillRef idx="1">
+            <a:schemeClr val="accent1"/>
+          </a:fillRef>
+          <a:effectRef idx="0">
+            <a:schemeClr val="accent1"/>
+          </a:effectRef>
+          <a:fontRef idx="minor">
+            <a:schemeClr val="lt1"/>
+          </a:fontRef>
+        </p:style>
+        <p:txBody>
+          <a:bodyPr rtlCol="0" anchor="ctr"/>
+          <a:lstStyle/>
+          <a:p>
+            <a:pPr algn="ctr"/>
+            <a:endParaRPr lang="en-US" dirty="0"/>
+          </a:p>
+        </p:txBody>
+      </p:sp>
+      <p:sp>
+        <p:nvSpPr>
+          <p:cNvPr id="2" name="Title 1">
+            <a:extLst>
+              <a:ext uri="{FF2B5EF4-FFF2-40B4-BE49-F238E27FC236}">
+                <a16:creationId xmlns:a16="http://schemas.microsoft.com/office/drawing/2014/main" id="{CA3EBC01-EF6C-5067-89AE-068A872FA5F5}"/>
+              </a:ext>
+            </a:extLst>
+          </p:cNvPr>
+          <p:cNvSpPr>
+            <a:spLocks noGrp="1"/>
+          </p:cNvSpPr>
+          <p:nvPr>
+            <p:ph type="title"/>
+          </p:nvPr>
+        </p:nvSpPr>
+        <p:spPr>
+          <a:xfrm>
+            <a:off x="517870" y="978408"/>
+            <a:ext cx="3465681" cy="2450592"/>
+          </a:xfrm>
+        </p:spPr>
+        <p:txBody>
+          <a:bodyPr vert="horz" lIns="91440" tIns="45720" rIns="91440" bIns="45720" rtlCol="0" anchor="t">
+            <a:normAutofit/>
+          </a:bodyPr>
+          <a:lstStyle/>
+          <a:p>
+            <a:r>
+              <a:rPr lang="en-US" sz="4800" dirty="0">
+                <a:solidFill>
+                  <a:schemeClr val="tx2"/>
+                </a:solidFill>
+              </a:rPr>
+              <a:t>Algorithm Flowchart</a:t>
+            </a:r>
+            <a:br>
+              <a:rPr lang="en-US" sz="4800" dirty="0">
+                <a:solidFill>
+                  <a:schemeClr val="tx2"/>
+                </a:solidFill>
+              </a:rPr>
+            </a:br>
+            <a:endParaRPr lang="en-US" sz="4800" dirty="0">
+              <a:solidFill>
+                <a:schemeClr val="tx2"/>
+              </a:solidFill>
+            </a:endParaRPr>
+          </a:p>
+        </p:txBody>
+      </p:sp>
+      <p:sp>
+        <p:nvSpPr>
+          <p:cNvPr id="1037" name="Rectangle 1036">
+            <a:extLst>
+              <a:ext uri="{FF2B5EF4-FFF2-40B4-BE49-F238E27FC236}">
+                <a16:creationId xmlns:a16="http://schemas.microsoft.com/office/drawing/2014/main" id="{D91952F0-771E-D2ED-C333-EEED6708B80C}"/>
+              </a:ext>
+              <a:ext uri="{C183D7F6-B498-43B3-948B-1728B52AA6E4}">
+                <adec:decorative xmlns:adec="http://schemas.microsoft.com/office/drawing/2017/decorative" val="1"/>
+              </a:ext>
+            </a:extLst>
+          </p:cNvPr>
+          <p:cNvSpPr>
+            <a:spLocks noGrp="1" noRot="1" noChangeAspect="1" noMove="1" noResize="1" noEditPoints="1" noAdjustHandles="1" noChangeArrowheads="1" noChangeShapeType="1" noTextEdit="1"/>
+          </p:cNvSpPr>
+          <p:nvPr>
+            <p:extLst>
+              <p:ext uri="{386F3935-93C4-4BCD-93E2-E3B085C9AB24}">
+                <p16:designElem xmlns:p16="http://schemas.microsoft.com/office/powerpoint/2015/main" val="1"/>
+              </p:ext>
+            </p:extLst>
+          </p:nvPr>
+        </p:nvSpPr>
+        <p:spPr>
+          <a:xfrm>
+            <a:off x="517871" y="508090"/>
+            <a:ext cx="3466424" cy="149279"/>
+          </a:xfrm>
+          <a:prstGeom prst="rect">
+            <a:avLst/>
+          </a:prstGeom>
+          <a:solidFill>
+            <a:schemeClr val="tx1"/>
+          </a:solidFill>
+          <a:ln>
+            <a:noFill/>
+          </a:ln>
+        </p:spPr>
+        <p:style>
+          <a:lnRef idx="2">
+            <a:schemeClr val="accent1">
+              <a:shade val="50000"/>
+            </a:schemeClr>
+          </a:lnRef>
+          <a:fillRef idx="1">
+            <a:schemeClr val="accent1"/>
+          </a:fillRef>
+          <a:effectRef idx="0">
+            <a:schemeClr val="accent1"/>
+          </a:effectRef>
+          <a:fontRef idx="minor">
+            <a:schemeClr val="lt1"/>
+          </a:fontRef>
+        </p:style>
+        <p:txBody>
+          <a:bodyPr rtlCol="0" anchor="ctr"/>
+          <a:lstStyle/>
+          <a:p>
+            <a:pPr algn="ctr"/>
+            <a:endParaRPr lang="en-US"/>
+          </a:p>
+        </p:txBody>
+      </p:sp>
+      <p:pic>
+        <p:nvPicPr>
+          <p:cNvPr id="1026" name="Picture 2" descr="Colored flowchart diagram with adjusted alignment for PowerPoint slide">
+            <a:extLst>
+              <a:ext uri="{FF2B5EF4-FFF2-40B4-BE49-F238E27FC236}">
+                <a16:creationId xmlns:a16="http://schemas.microsoft.com/office/drawing/2014/main" id="{DAEF3DEC-80B7-5B1B-C920-188C0521D103}"/>
+              </a:ext>
+            </a:extLst>
+          </p:cNvPr>
+          <p:cNvPicPr>
+            <a:picLocks noGrp="1" noChangeAspect="1" noChangeArrowheads="1"/>
+          </p:cNvPicPr>
+          <p:nvPr>
+            <p:ph idx="1"/>
+          </p:nvPr>
+        </p:nvPicPr>
+        <p:blipFill>
+          <a:blip r:embed="rId2">
+            <a:extLst>
+              <a:ext uri="{28A0092B-C50C-407E-A947-70E740481C1C}">
+                <a14:useLocalDpi xmlns:a14="http://schemas.microsoft.com/office/drawing/2010/main" val="0"/>
+              </a:ext>
+            </a:extLst>
+          </a:blip>
+          <a:stretch>
+            <a:fillRect/>
+          </a:stretch>
+        </p:blipFill>
+        <p:spPr bwMode="auto">
+          <a:xfrm>
+            <a:off x="5891646" y="279883"/>
+            <a:ext cx="5018808" cy="6298228"/>
+          </a:xfrm>
+          <a:prstGeom prst="rect">
+            <a:avLst/>
+          </a:prstGeom>
+          <a:noFill/>
+          <a:extLst>
+            <a:ext uri="{909E8E84-426E-40DD-AFC4-6F175D3DCCD1}">
+              <a14:hiddenFill xmlns:a14="http://schemas.microsoft.com/office/drawing/2010/main">
+                <a:solidFill>
+                  <a:srgbClr val="FFFFFF"/>
+                </a:solidFill>
+              </a14:hiddenFill>
+            </a:ext>
+          </a:extLst>
+        </p:spPr>
+      </p:pic>
+      <p:sp>
+        <p:nvSpPr>
+          <p:cNvPr id="1039" name="Rectangle 1038">
+            <a:extLst>
+              <a:ext uri="{FF2B5EF4-FFF2-40B4-BE49-F238E27FC236}">
+                <a16:creationId xmlns:a16="http://schemas.microsoft.com/office/drawing/2014/main" id="{3FB6D83C-2377-9CAD-A991-9E0B6AF25067}"/>
+              </a:ext>
+              <a:ext uri="{C183D7F6-B498-43B3-948B-1728B52AA6E4}">
+                <adec:decorative xmlns:adec="http://schemas.microsoft.com/office/drawing/2017/decorative" val="1"/>
+              </a:ext>
+            </a:extLst>
+          </p:cNvPr>
+          <p:cNvSpPr>
+            <a:spLocks noGrp="1" noRot="1" noChangeAspect="1" noMove="1" noResize="1" noEditPoints="1" noAdjustHandles="1" noChangeArrowheads="1" noChangeShapeType="1" noTextEdit="1"/>
+          </p:cNvSpPr>
+          <p:nvPr>
+            <p:extLst>
+              <p:ext uri="{386F3935-93C4-4BCD-93E2-E3B085C9AB24}">
+                <p16:designElem xmlns:p16="http://schemas.microsoft.com/office/powerpoint/2015/main" val="1"/>
+              </p:ext>
+            </p:extLst>
+          </p:nvPr>
+        </p:nvSpPr>
+        <p:spPr>
+          <a:xfrm>
+            <a:off x="521208" y="6299535"/>
+            <a:ext cx="3465681" cy="46469"/>
+          </a:xfrm>
+          <a:prstGeom prst="rect">
+            <a:avLst/>
+          </a:prstGeom>
+          <a:solidFill>
+            <a:schemeClr val="tx1"/>
+          </a:solidFill>
+          <a:ln>
+            <a:noFill/>
+          </a:ln>
+        </p:spPr>
+        <p:style>
+          <a:lnRef idx="2">
+            <a:schemeClr val="accent1">
+              <a:shade val="50000"/>
+            </a:schemeClr>
+          </a:lnRef>
+          <a:fillRef idx="1">
+            <a:schemeClr val="accent1"/>
+          </a:fillRef>
+          <a:effectRef idx="0">
+            <a:schemeClr val="accent1"/>
+          </a:effectRef>
+          <a:fontRef idx="minor">
+            <a:schemeClr val="lt1"/>
+          </a:fontRef>
+        </p:style>
+        <p:txBody>
+          <a:bodyPr rtlCol="0" anchor="ctr"/>
+          <a:lstStyle/>
+          <a:p>
+            <a:pPr marL="0" marR="0" lvl="0" indent="0" algn="ctr" defTabSz="914400" rtl="0" eaLnBrk="1" fontAlgn="auto" latinLnBrk="0" hangingPunct="1">
+              <a:lnSpc>
+                <a:spcPct val="100000"/>
+              </a:lnSpc>
+              <a:spcBef>
+                <a:spcPts val="0"/>
+              </a:spcBef>
+              <a:spcAft>
+                <a:spcPts val="0"/>
+              </a:spcAft>
+              <a:buClrTx/>
+              <a:buSzTx/>
+              <a:buFontTx/>
+              <a:buNone/>
+              <a:tabLst/>
+              <a:defRPr/>
+            </a:pPr>
+            <a:endParaRPr kumimoji="0" lang="en-US" sz="1800" b="0" i="0" u="none" strike="noStrike" kern="1200" cap="none" spc="0" normalizeH="0" baseline="0" noProof="0">
+              <a:ln>
+                <a:noFill/>
+              </a:ln>
+              <a:solidFill>
+                <a:prstClr val="white"/>
+              </a:solidFill>
+              <a:effectLst/>
+              <a:uLnTx/>
+              <a:uFillTx/>
+              <a:latin typeface="Bierstadt"/>
+              <a:ea typeface="+mn-ea"/>
+              <a:cs typeface="+mn-cs"/>
+            </a:endParaRPr>
+          </a:p>
+        </p:txBody>
+      </p:sp>
+    </p:spTree>
+    <p:extLst>
+      <p:ext uri="{BB962C8B-B14F-4D97-AF65-F5344CB8AC3E}">
+        <p14:creationId xmlns:p14="http://schemas.microsoft.com/office/powerpoint/2010/main" val="3384251373"/>
+      </p:ext>
+    </p:extLst>
+  </p:cSld>
+  <p:clrMapOvr>
+    <a:masterClrMapping/>
+  </p:clrMapOvr>
+</p:sld>
+</file>
+
+<file path=ppt/slides/slide8.xml><?xml version="1.0" encoding="utf-8"?>
+<p:sld xmlns:a="http://schemas.openxmlformats.org/drawingml/2006/main" xmlns:r="http://schemas.openxmlformats.org/officeDocument/2006/relationships" xmlns:p="http://schemas.openxmlformats.org/presentationml/2006/main">
+  <p:cSld>
+    <p:spTree>
+      <p:nvGrpSpPr>
+        <p:cNvPr id="1" name=""/>
+        <p:cNvGrpSpPr/>
+        <p:nvPr/>
+      </p:nvGrpSpPr>
+      <p:grpSpPr>
+        <a:xfrm>
+          <a:off x="0" y="0"/>
+          <a:ext cx="0" cy="0"/>
+          <a:chOff x="0" y="0"/>
+          <a:chExt cx="0" cy="0"/>
+        </a:xfrm>
+      </p:grpSpPr>
+      <p:sp>
+        <p:nvSpPr>
+          <p:cNvPr id="2" name="Title 1">
+            <a:extLst>
+              <a:ext uri="{FF2B5EF4-FFF2-40B4-BE49-F238E27FC236}">
+                <a16:creationId xmlns:a16="http://schemas.microsoft.com/office/drawing/2014/main" id="{9ADA0E92-30CF-977D-CE3C-F9E3D4E5C6DC}"/>
+              </a:ext>
+            </a:extLst>
+          </p:cNvPr>
+          <p:cNvSpPr>
+            <a:spLocks noGrp="1"/>
+          </p:cNvSpPr>
+          <p:nvPr>
+            <p:ph type="title"/>
+          </p:nvPr>
+        </p:nvSpPr>
+        <p:spPr>
+          <a:xfrm>
+            <a:off x="521208" y="978408"/>
+            <a:ext cx="11155680" cy="691366"/>
+          </a:xfrm>
+        </p:spPr>
+        <p:txBody>
+          <a:bodyPr>
+            <a:normAutofit fontScale="90000"/>
+          </a:bodyPr>
+          <a:lstStyle/>
+          <a:p>
+            <a:r>
+              <a:rPr lang="en-US" b="0" dirty="0"/>
+              <a:t>References</a:t>
+            </a:r>
+            <a:br>
+              <a:rPr lang="en-US" b="0" dirty="0"/>
+            </a:br>
+            <a:endParaRPr lang="en-US" dirty="0"/>
+          </a:p>
+        </p:txBody>
+      </p:sp>
+      <p:sp>
+        <p:nvSpPr>
+          <p:cNvPr id="3" name="Content Placeholder 2">
+            <a:extLst>
+              <a:ext uri="{FF2B5EF4-FFF2-40B4-BE49-F238E27FC236}">
+                <a16:creationId xmlns:a16="http://schemas.microsoft.com/office/drawing/2014/main" id="{EA81A8BB-982B-F773-061E-3CF75B3E057B}"/>
+              </a:ext>
+            </a:extLst>
+          </p:cNvPr>
+          <p:cNvSpPr>
+            <a:spLocks noGrp="1"/>
+          </p:cNvSpPr>
+          <p:nvPr>
+            <p:ph idx="1"/>
+          </p:nvPr>
+        </p:nvSpPr>
+        <p:spPr/>
+        <p:txBody>
+          <a:bodyPr/>
+          <a:lstStyle/>
+          <a:p>
+            <a:pPr marL="342900" indent="-342900">
+              <a:buFont typeface="+mj-lt"/>
+              <a:buAutoNum type="arabicPeriod"/>
+            </a:pPr>
+            <a:r>
+              <a:rPr lang="en-US" dirty="0"/>
+              <a:t>A. E. Roth, "Deferred acceptance algorithms: history, theory, practice, and open questions," </a:t>
+            </a:r>
+            <a:r>
+              <a:rPr lang="en-US" i="1" dirty="0"/>
+              <a:t>International Journal of Game Theory</a:t>
+            </a:r>
+            <a:r>
+              <a:rPr lang="en-US" dirty="0"/>
+              <a:t>, vol. 36, no. 3–4, pp. 537–569, 2008. [Online]. Available: </a:t>
+            </a:r>
+            <a:r>
+              <a:rPr lang="en-US" dirty="0">
+                <a:hlinkClick r:id="rId2"/>
+              </a:rPr>
+              <a:t>https://web.stanford.edu/~alroth/papers/GaleandShapley.revised.IJGT.pdf</a:t>
+            </a:r>
+            <a:endParaRPr lang="en-US" dirty="0"/>
+          </a:p>
+          <a:p>
+            <a:pPr marL="342900" indent="-342900">
+              <a:buFont typeface="+mj-lt"/>
+              <a:buAutoNum type="arabicPeriod"/>
+            </a:pPr>
+            <a:r>
+              <a:rPr lang="en-US" dirty="0"/>
+              <a:t>S. </a:t>
+            </a:r>
+            <a:r>
+              <a:rPr lang="en-US" dirty="0" err="1"/>
+              <a:t>Baswana</a:t>
+            </a:r>
+            <a:r>
+              <a:rPr lang="en-US" dirty="0"/>
+              <a:t>, P. P. Chakrabarti, Y. Kanoria, U. </a:t>
+            </a:r>
+            <a:r>
+              <a:rPr lang="en-US" dirty="0" err="1"/>
+              <a:t>Patange</a:t>
+            </a:r>
+            <a:r>
+              <a:rPr lang="en-US" dirty="0"/>
+              <a:t>, and S. Chandran, "Joint Seat Allocation 2018: An algorithmic perspective," </a:t>
+            </a:r>
+            <a:r>
+              <a:rPr lang="en-US" i="1" dirty="0" err="1"/>
+              <a:t>arXiv</a:t>
+            </a:r>
+            <a:r>
+              <a:rPr lang="en-US" i="1" dirty="0"/>
+              <a:t> preprint arXiv:1904.06698</a:t>
+            </a:r>
+            <a:r>
+              <a:rPr lang="en-US" dirty="0"/>
+              <a:t>, 2019. [Online]. Available: </a:t>
+            </a:r>
+            <a:r>
+              <a:rPr lang="en-US" dirty="0">
+                <a:hlinkClick r:id="rId3"/>
+              </a:rPr>
+              <a:t>https://arxiv.org/abs/1904.06698</a:t>
+            </a:r>
+            <a:endParaRPr lang="en-US" dirty="0"/>
+          </a:p>
+          <a:p>
+            <a:pPr marL="342900" indent="-342900">
+              <a:buFont typeface="+mj-lt"/>
+              <a:buAutoNum type="arabicPeriod"/>
+            </a:pPr>
+            <a:r>
+              <a:rPr lang="en-US" dirty="0"/>
+              <a:t>S. </a:t>
+            </a:r>
+            <a:r>
+              <a:rPr lang="en-US" dirty="0" err="1"/>
+              <a:t>Baswana</a:t>
+            </a:r>
+            <a:r>
+              <a:rPr lang="en-US" dirty="0"/>
+              <a:t>, P. P. Chakrabarti, Y. Kanoria, U. </a:t>
+            </a:r>
+            <a:r>
+              <a:rPr lang="en-US" dirty="0" err="1"/>
+              <a:t>Patange</a:t>
+            </a:r>
+            <a:r>
+              <a:rPr lang="en-US" dirty="0"/>
+              <a:t>, and S. Chandran, "Centralized Admissions for Engineering Colleges in India," </a:t>
+            </a:r>
+            <a:r>
+              <a:rPr lang="en-US" i="1" dirty="0"/>
+              <a:t>Interfaces</a:t>
+            </a:r>
+            <a:r>
+              <a:rPr lang="en-US" dirty="0"/>
+              <a:t>, vol. 49, no. 1, pp. 1–19, 2019. [Online]. Available: </a:t>
+            </a:r>
+            <a:r>
+              <a:rPr lang="en-US" dirty="0">
+                <a:hlinkClick r:id="rId4"/>
+              </a:rPr>
+              <a:t>https://rohitvaish.in/data/Papers/%5BBaswana+%5D%20Centralized%20Admissions%20for%20Engineering%20Colleges%20in%20India.pdf</a:t>
+            </a:r>
+            <a:endParaRPr lang="en-US" dirty="0"/>
+          </a:p>
+          <a:p>
+            <a:pPr marL="342900" indent="-342900">
+              <a:buFont typeface="+mj-lt"/>
+              <a:buAutoNum type="arabicPeriod"/>
+            </a:pPr>
+            <a:endParaRPr lang="en-US" dirty="0"/>
+          </a:p>
+        </p:txBody>
+      </p:sp>
+    </p:spTree>
+    <p:extLst>
+      <p:ext uri="{BB962C8B-B14F-4D97-AF65-F5344CB8AC3E}">
+        <p14:creationId xmlns:p14="http://schemas.microsoft.com/office/powerpoint/2010/main" val="3781462285"/>
       </p:ext>
     </p:extLst>
   </p:cSld>
